--- a/PresentationSlides.pptx
+++ b/PresentationSlides.pptx
@@ -108,6 +108,11 @@
       </a:defRPr>
     </a:lvl9pPr>
   </p:defaultTextStyle>
+  <p:extLst>
+    <p:ext uri="{EFAFB233-063F-42B5-8137-9DF3F51BA10A}">
+      <p15:sldGuideLst xmlns:p15="http://schemas.microsoft.com/office/powerpoint/2012/main"/>
+    </p:ext>
+  </p:extLst>
 </p:presentation>
 </file>
 
@@ -3461,6 +3466,602 @@
         </p:nvSpPr>
         <p:spPr>
           <a:xfrm>
+            <a:off x="0" y="476247"/>
+            <a:ext cx="12192000" cy="4975079"/>
+          </a:xfrm>
+          <a:prstGeom prst="rect">
+            <a:avLst/>
+          </a:prstGeom>
+          <a:solidFill>
+            <a:schemeClr val="bg1"/>
+          </a:solidFill>
+          <a:ln>
+            <a:solidFill>
+              <a:schemeClr val="bg1"/>
+            </a:solidFill>
+          </a:ln>
+        </p:spPr>
+        <p:style>
+          <a:lnRef idx="2">
+            <a:schemeClr val="accent1">
+              <a:shade val="50000"/>
+            </a:schemeClr>
+          </a:lnRef>
+          <a:fillRef idx="1">
+            <a:schemeClr val="accent1"/>
+          </a:fillRef>
+          <a:effectRef idx="0">
+            <a:schemeClr val="accent1"/>
+          </a:effectRef>
+          <a:fontRef idx="minor">
+            <a:schemeClr val="lt1"/>
+          </a:fontRef>
+        </p:style>
+        <p:txBody>
+          <a:bodyPr rtlCol="0" anchor="ctr"/>
+          <a:lstStyle/>
+          <a:p>
+            <a:pPr algn="ctr"/>
+            <a:endParaRPr lang="en-US"/>
+          </a:p>
+        </p:txBody>
+      </p:sp>
+      <p:grpSp>
+        <p:nvGrpSpPr>
+          <p:cNvPr id="5" name="Group 4"/>
+          <p:cNvGrpSpPr/>
+          <p:nvPr/>
+        </p:nvGrpSpPr>
+        <p:grpSpPr>
+          <a:xfrm>
+            <a:off x="10321713" y="315162"/>
+            <a:ext cx="2843545" cy="2293097"/>
+            <a:chOff x="1940726" y="1436777"/>
+            <a:chExt cx="2364112" cy="1906473"/>
+          </a:xfrm>
+        </p:grpSpPr>
+        <p:sp>
+          <p:nvSpPr>
+            <p:cNvPr id="6" name="Oval 5"/>
+            <p:cNvSpPr/>
+            <p:nvPr/>
+          </p:nvSpPr>
+          <p:spPr>
+            <a:xfrm>
+              <a:off x="2054572" y="1694565"/>
+              <a:ext cx="1143000" cy="1143000"/>
+            </a:xfrm>
+            <a:prstGeom prst="ellipse">
+              <a:avLst/>
+            </a:prstGeom>
+            <a:solidFill>
+              <a:srgbClr val="77C9F9"/>
+            </a:solidFill>
+            <a:ln>
+              <a:noFill/>
+            </a:ln>
+          </p:spPr>
+          <p:style>
+            <a:lnRef idx="2">
+              <a:schemeClr val="accent1">
+                <a:shade val="50000"/>
+              </a:schemeClr>
+            </a:lnRef>
+            <a:fillRef idx="1">
+              <a:schemeClr val="accent1"/>
+            </a:fillRef>
+            <a:effectRef idx="0">
+              <a:schemeClr val="accent1"/>
+            </a:effectRef>
+            <a:fontRef idx="minor">
+              <a:schemeClr val="lt1"/>
+            </a:fontRef>
+          </p:style>
+          <p:txBody>
+            <a:bodyPr rtlCol="0" anchor="ctr"/>
+            <a:lstStyle/>
+            <a:p>
+              <a:pPr algn="ctr"/>
+              <a:endParaRPr lang="en-US"/>
+            </a:p>
+          </p:txBody>
+        </p:sp>
+        <p:sp>
+          <p:nvSpPr>
+            <p:cNvPr id="7" name="Triangle 6"/>
+            <p:cNvSpPr/>
+            <p:nvPr/>
+          </p:nvSpPr>
+          <p:spPr>
+            <a:xfrm rot="18340951">
+              <a:off x="2287043" y="1434059"/>
+              <a:ext cx="614000" cy="619436"/>
+            </a:xfrm>
+            <a:prstGeom prst="triangle">
+              <a:avLst>
+                <a:gd name="adj" fmla="val 23331"/>
+              </a:avLst>
+            </a:prstGeom>
+            <a:solidFill>
+              <a:schemeClr val="bg1"/>
+            </a:solidFill>
+            <a:ln>
+              <a:noFill/>
+            </a:ln>
+          </p:spPr>
+          <p:style>
+            <a:lnRef idx="2">
+              <a:schemeClr val="accent1">
+                <a:shade val="50000"/>
+              </a:schemeClr>
+            </a:lnRef>
+            <a:fillRef idx="1">
+              <a:schemeClr val="accent1"/>
+            </a:fillRef>
+            <a:effectRef idx="0">
+              <a:schemeClr val="accent1"/>
+            </a:effectRef>
+            <a:fontRef idx="minor">
+              <a:schemeClr val="lt1"/>
+            </a:fontRef>
+          </p:style>
+          <p:txBody>
+            <a:bodyPr rtlCol="0" anchor="ctr"/>
+            <a:lstStyle/>
+            <a:p>
+              <a:pPr algn="ctr"/>
+              <a:endParaRPr lang="en-US"/>
+            </a:p>
+          </p:txBody>
+        </p:sp>
+        <p:sp>
+          <p:nvSpPr>
+            <p:cNvPr id="8" name="TextBox 7"/>
+            <p:cNvSpPr txBox="1"/>
+            <p:nvPr/>
+          </p:nvSpPr>
+          <p:spPr>
+            <a:xfrm rot="1671163">
+              <a:off x="2856901" y="1989130"/>
+              <a:ext cx="851515" cy="1200329"/>
+            </a:xfrm>
+            <a:prstGeom prst="rect">
+              <a:avLst/>
+            </a:prstGeom>
+            <a:noFill/>
+          </p:spPr>
+          <p:txBody>
+            <a:bodyPr wrap="square" rtlCol="0">
+              <a:spAutoFit/>
+            </a:bodyPr>
+            <a:lstStyle/>
+            <a:p>
+              <a:r>
+                <a:rPr lang="en-US" sz="7200" dirty="0" smtClean="0">
+                  <a:solidFill>
+                    <a:srgbClr val="171161"/>
+                  </a:solidFill>
+                  <a:latin typeface="Bradley Hand" charset="0"/>
+                  <a:ea typeface="Bradley Hand" charset="0"/>
+                  <a:cs typeface="Bradley Hand" charset="0"/>
+                </a:rPr>
+                <a:t>B</a:t>
+              </a:r>
+              <a:endParaRPr lang="en-US" sz="7200" dirty="0">
+                <a:solidFill>
+                  <a:srgbClr val="171161"/>
+                </a:solidFill>
+                <a:latin typeface="Bradley Hand" charset="0"/>
+                <a:ea typeface="Bradley Hand" charset="0"/>
+                <a:cs typeface="Bradley Hand" charset="0"/>
+              </a:endParaRPr>
+            </a:p>
+          </p:txBody>
+        </p:sp>
+        <p:sp>
+          <p:nvSpPr>
+            <p:cNvPr id="9" name="TextBox 8"/>
+            <p:cNvSpPr txBox="1"/>
+            <p:nvPr/>
+          </p:nvSpPr>
+          <p:spPr>
+            <a:xfrm>
+              <a:off x="1940726" y="2635364"/>
+              <a:ext cx="2364112" cy="707886"/>
+            </a:xfrm>
+            <a:prstGeom prst="rect">
+              <a:avLst/>
+            </a:prstGeom>
+            <a:noFill/>
+          </p:spPr>
+          <p:txBody>
+            <a:bodyPr wrap="square" rtlCol="0">
+              <a:spAutoFit/>
+            </a:bodyPr>
+            <a:lstStyle/>
+            <a:p>
+              <a:r>
+                <a:rPr lang="en-US" sz="4000" dirty="0" smtClean="0">
+                  <a:solidFill>
+                    <a:srgbClr val="171161"/>
+                  </a:solidFill>
+                  <a:latin typeface="Bradley Hand" charset="0"/>
+                  <a:ea typeface="Bradley Hand" charset="0"/>
+                  <a:cs typeface="Bradley Hand" charset="0"/>
+                </a:rPr>
+                <a:t>iteman</a:t>
+              </a:r>
+              <a:endParaRPr lang="en-US" sz="4000" dirty="0">
+                <a:solidFill>
+                  <a:srgbClr val="171161"/>
+                </a:solidFill>
+                <a:latin typeface="Bradley Hand" charset="0"/>
+                <a:ea typeface="Bradley Hand" charset="0"/>
+                <a:cs typeface="Bradley Hand" charset="0"/>
+              </a:endParaRPr>
+            </a:p>
+          </p:txBody>
+        </p:sp>
+        <p:sp>
+          <p:nvSpPr>
+            <p:cNvPr id="10" name="TextBox 9"/>
+            <p:cNvSpPr txBox="1"/>
+            <p:nvPr/>
+          </p:nvSpPr>
+          <p:spPr>
+            <a:xfrm rot="5400000">
+              <a:off x="2381772" y="1591758"/>
+              <a:ext cx="424543" cy="1200329"/>
+            </a:xfrm>
+            <a:prstGeom prst="rect">
+              <a:avLst/>
+            </a:prstGeom>
+            <a:noFill/>
+          </p:spPr>
+          <p:txBody>
+            <a:bodyPr wrap="square" rtlCol="0">
+              <a:spAutoFit/>
+            </a:bodyPr>
+            <a:lstStyle/>
+            <a:p>
+              <a:r>
+                <a:rPr lang="en-US" sz="7200" dirty="0" smtClean="0"/>
+                <a:t>.</a:t>
+              </a:r>
+              <a:endParaRPr lang="en-US" sz="7200" dirty="0"/>
+            </a:p>
+          </p:txBody>
+        </p:sp>
+      </p:grpSp>
+      <p:sp>
+        <p:nvSpPr>
+          <p:cNvPr id="11" name="TextBox 10"/>
+          <p:cNvSpPr txBox="1"/>
+          <p:nvPr/>
+        </p:nvSpPr>
+        <p:spPr>
+          <a:xfrm>
+            <a:off x="240909" y="476247"/>
+            <a:ext cx="3441160" cy="1107996"/>
+          </a:xfrm>
+          <a:prstGeom prst="rect">
+            <a:avLst/>
+          </a:prstGeom>
+          <a:noFill/>
+        </p:spPr>
+        <p:txBody>
+          <a:bodyPr wrap="square" rtlCol="0">
+            <a:spAutoFit/>
+          </a:bodyPr>
+          <a:lstStyle/>
+          <a:p>
+            <a:r>
+              <a:rPr lang="en-US" sz="6600" dirty="0" smtClean="0">
+                <a:solidFill>
+                  <a:srgbClr val="171161"/>
+                </a:solidFill>
+              </a:rPr>
+              <a:t>Features</a:t>
+            </a:r>
+            <a:endParaRPr lang="en-US" sz="4800" dirty="0"/>
+          </a:p>
+        </p:txBody>
+      </p:sp>
+      <p:sp>
+        <p:nvSpPr>
+          <p:cNvPr id="12" name="TextBox 11"/>
+          <p:cNvSpPr txBox="1"/>
+          <p:nvPr/>
+        </p:nvSpPr>
+        <p:spPr>
+          <a:xfrm>
+            <a:off x="4885870" y="848876"/>
+            <a:ext cx="3927929" cy="1815882"/>
+          </a:xfrm>
+          <a:prstGeom prst="rect">
+            <a:avLst/>
+          </a:prstGeom>
+          <a:solidFill>
+            <a:schemeClr val="accent1">
+              <a:lumMod val="40000"/>
+              <a:lumOff val="60000"/>
+            </a:schemeClr>
+          </a:solidFill>
+        </p:spPr>
+        <p:txBody>
+          <a:bodyPr wrap="square" rtlCol="0">
+            <a:spAutoFit/>
+          </a:bodyPr>
+          <a:lstStyle/>
+          <a:p>
+            <a:r>
+              <a:rPr lang="en-US" sz="2800" b="1" dirty="0" smtClean="0"/>
+              <a:t>Restaurant:</a:t>
+            </a:r>
+          </a:p>
+          <a:p>
+            <a:pPr marL="457200" indent="-457200">
+              <a:buFont typeface="Arial" charset="0"/>
+              <a:buChar char="•"/>
+            </a:pPr>
+            <a:r>
+              <a:rPr lang="en-US" sz="2800" dirty="0" smtClean="0"/>
+              <a:t>Update Menu</a:t>
+            </a:r>
+          </a:p>
+          <a:p>
+            <a:pPr marL="457200" indent="-457200">
+              <a:buFont typeface="Arial" charset="0"/>
+              <a:buChar char="•"/>
+            </a:pPr>
+            <a:r>
+              <a:rPr lang="en-US" sz="2800" dirty="0" smtClean="0"/>
+              <a:t>Manage </a:t>
+            </a:r>
+            <a:r>
+              <a:rPr lang="en-US" sz="2800" dirty="0" smtClean="0"/>
+              <a:t>Order Status </a:t>
+            </a:r>
+            <a:r>
+              <a:rPr lang="en-US" sz="2800" dirty="0" smtClean="0"/>
+              <a:t>(accept/deliver)</a:t>
+            </a:r>
+          </a:p>
+        </p:txBody>
+      </p:sp>
+      <p:sp>
+        <p:nvSpPr>
+          <p:cNvPr id="13" name="TextBox 12"/>
+          <p:cNvSpPr txBox="1"/>
+          <p:nvPr/>
+        </p:nvSpPr>
+        <p:spPr>
+          <a:xfrm>
+            <a:off x="4885871" y="3271402"/>
+            <a:ext cx="5434693" cy="1815882"/>
+          </a:xfrm>
+          <a:prstGeom prst="rect">
+            <a:avLst/>
+          </a:prstGeom>
+          <a:solidFill>
+            <a:schemeClr val="accent2">
+              <a:lumMod val="40000"/>
+              <a:lumOff val="60000"/>
+            </a:schemeClr>
+          </a:solidFill>
+        </p:spPr>
+        <p:txBody>
+          <a:bodyPr wrap="square" rtlCol="0">
+            <a:spAutoFit/>
+          </a:bodyPr>
+          <a:lstStyle/>
+          <a:p>
+            <a:r>
+              <a:rPr lang="en-US" sz="2800" b="1" dirty="0" smtClean="0"/>
+              <a:t>Customer:</a:t>
+            </a:r>
+          </a:p>
+          <a:p>
+            <a:pPr marL="457200" indent="-457200">
+              <a:buFont typeface="Arial" charset="0"/>
+              <a:buChar char="•"/>
+            </a:pPr>
+            <a:r>
+              <a:rPr lang="en-US" sz="2800" dirty="0" smtClean="0"/>
+              <a:t>Sign Up</a:t>
+            </a:r>
+          </a:p>
+          <a:p>
+            <a:pPr marL="457200" indent="-457200">
+              <a:buFont typeface="Arial" charset="0"/>
+              <a:buChar char="•"/>
+            </a:pPr>
+            <a:r>
+              <a:rPr lang="en-US" sz="2800" dirty="0" smtClean="0"/>
+              <a:t>Create Orders (add/delete/place)</a:t>
+            </a:r>
+          </a:p>
+          <a:p>
+            <a:pPr marL="457200" indent="-457200">
+              <a:buFont typeface="Arial" charset="0"/>
+              <a:buChar char="•"/>
+            </a:pPr>
+            <a:r>
+              <a:rPr lang="en-US" sz="2800" dirty="0" smtClean="0"/>
+              <a:t>Cancel &amp; Confirm Orders</a:t>
+            </a:r>
+            <a:endParaRPr lang="en-US" sz="2800" dirty="0"/>
+          </a:p>
+        </p:txBody>
+      </p:sp>
+      <p:sp>
+        <p:nvSpPr>
+          <p:cNvPr id="14" name="TextBox 13"/>
+          <p:cNvSpPr txBox="1"/>
+          <p:nvPr/>
+        </p:nvSpPr>
+        <p:spPr>
+          <a:xfrm>
+            <a:off x="240909" y="2578905"/>
+            <a:ext cx="2810329" cy="1384995"/>
+          </a:xfrm>
+          <a:prstGeom prst="rect">
+            <a:avLst/>
+          </a:prstGeom>
+          <a:solidFill>
+            <a:schemeClr val="accent3">
+              <a:lumMod val="40000"/>
+              <a:lumOff val="60000"/>
+            </a:schemeClr>
+          </a:solidFill>
+        </p:spPr>
+        <p:txBody>
+          <a:bodyPr wrap="square" rtlCol="0">
+            <a:spAutoFit/>
+          </a:bodyPr>
+          <a:lstStyle/>
+          <a:p>
+            <a:r>
+              <a:rPr lang="en-US" sz="2800" b="1" dirty="0" smtClean="0"/>
+              <a:t>Login/Logout</a:t>
+            </a:r>
+            <a:r>
+              <a:rPr lang="en-US" sz="2800" dirty="0" smtClean="0"/>
+              <a:t> </a:t>
+            </a:r>
+            <a:r>
+              <a:rPr lang="en-US" sz="2800" dirty="0" smtClean="0"/>
+              <a:t>Search </a:t>
+            </a:r>
+            <a:r>
+              <a:rPr lang="en-US" sz="2800" dirty="0"/>
+              <a:t>R</a:t>
+            </a:r>
+            <a:r>
+              <a:rPr lang="en-US" sz="2800" dirty="0" smtClean="0"/>
+              <a:t>estaurant</a:t>
+            </a:r>
+          </a:p>
+          <a:p>
+            <a:r>
+              <a:rPr lang="en-US" sz="2800" dirty="0" smtClean="0"/>
+              <a:t>Show Menu</a:t>
+            </a:r>
+          </a:p>
+        </p:txBody>
+      </p:sp>
+      <p:cxnSp>
+        <p:nvCxnSpPr>
+          <p:cNvPr id="3" name="Straight Arrow Connector 2"/>
+          <p:cNvCxnSpPr>
+            <a:endCxn id="12" idx="1"/>
+          </p:cNvCxnSpPr>
+          <p:nvPr/>
+        </p:nvCxnSpPr>
+        <p:spPr>
+          <a:xfrm flipV="1">
+            <a:off x="3051238" y="1756817"/>
+            <a:ext cx="1834632" cy="1514586"/>
+          </a:xfrm>
+          <a:prstGeom prst="straightConnector1">
+            <a:avLst/>
+          </a:prstGeom>
+          <a:ln>
+            <a:solidFill>
+              <a:schemeClr val="tx1"/>
+            </a:solidFill>
+            <a:tailEnd type="triangle"/>
+          </a:ln>
+        </p:spPr>
+        <p:style>
+          <a:lnRef idx="1">
+            <a:schemeClr val="accent1"/>
+          </a:lnRef>
+          <a:fillRef idx="0">
+            <a:schemeClr val="accent1"/>
+          </a:fillRef>
+          <a:effectRef idx="0">
+            <a:schemeClr val="accent1"/>
+          </a:effectRef>
+          <a:fontRef idx="minor">
+            <a:schemeClr val="tx1"/>
+          </a:fontRef>
+        </p:style>
+      </p:cxnSp>
+      <p:cxnSp>
+        <p:nvCxnSpPr>
+          <p:cNvPr id="17" name="Straight Arrow Connector 16"/>
+          <p:cNvCxnSpPr/>
+          <p:nvPr/>
+        </p:nvCxnSpPr>
+        <p:spPr>
+          <a:xfrm>
+            <a:off x="3051238" y="3271402"/>
+            <a:ext cx="1834633" cy="907941"/>
+          </a:xfrm>
+          <a:prstGeom prst="straightConnector1">
+            <a:avLst/>
+          </a:prstGeom>
+          <a:ln>
+            <a:solidFill>
+              <a:schemeClr val="tx1"/>
+            </a:solidFill>
+            <a:tailEnd type="triangle"/>
+          </a:ln>
+        </p:spPr>
+        <p:style>
+          <a:lnRef idx="1">
+            <a:schemeClr val="accent1"/>
+          </a:lnRef>
+          <a:fillRef idx="0">
+            <a:schemeClr val="accent1"/>
+          </a:fillRef>
+          <a:effectRef idx="0">
+            <a:schemeClr val="accent1"/>
+          </a:effectRef>
+          <a:fontRef idx="minor">
+            <a:schemeClr val="tx1"/>
+          </a:fontRef>
+        </p:style>
+      </p:cxnSp>
+    </p:spTree>
+    <p:extLst>
+      <p:ext uri="{BB962C8B-B14F-4D97-AF65-F5344CB8AC3E}">
+        <p14:creationId xmlns:p14="http://schemas.microsoft.com/office/powerpoint/2010/main" val="310936738"/>
+      </p:ext>
+    </p:extLst>
+  </p:cSld>
+  <p:clrMapOvr>
+    <a:masterClrMapping/>
+  </p:clrMapOvr>
+</p:sld>
+</file>
+
+<file path=ppt/slides/slide3.xml><?xml version="1.0" encoding="utf-8"?>
+<p:sld xmlns:a="http://schemas.openxmlformats.org/drawingml/2006/main" xmlns:r="http://schemas.openxmlformats.org/officeDocument/2006/relationships" xmlns:p="http://schemas.openxmlformats.org/presentationml/2006/main">
+  <p:cSld>
+    <p:spTree>
+      <p:nvGrpSpPr>
+        <p:cNvPr id="1" name=""/>
+        <p:cNvGrpSpPr/>
+        <p:nvPr/>
+      </p:nvGrpSpPr>
+      <p:grpSpPr>
+        <a:xfrm>
+          <a:off x="0" y="0"/>
+          <a:ext cx="0" cy="0"/>
+          <a:chOff x="0" y="0"/>
+          <a:chExt cx="0" cy="0"/>
+        </a:xfrm>
+      </p:grpSpPr>
+      <p:sp>
+        <p:nvSpPr>
+          <p:cNvPr id="4" name="Rectangle 3"/>
+          <p:cNvSpPr/>
+          <p:nvPr/>
+        </p:nvSpPr>
+        <p:spPr>
+          <a:xfrm>
             <a:off x="0" y="513888"/>
             <a:ext cx="12192000" cy="5165579"/>
           </a:xfrm>
@@ -3509,8 +4110,8 @@
         </p:nvGrpSpPr>
         <p:grpSpPr>
           <a:xfrm>
-            <a:off x="103975" y="2616389"/>
-            <a:ext cx="2843545" cy="3265431"/>
+            <a:off x="103975" y="2946400"/>
+            <a:ext cx="2524925" cy="2935420"/>
             <a:chOff x="1940726" y="628384"/>
             <a:chExt cx="2364112" cy="2714866"/>
           </a:xfrm>
@@ -3754,205 +4355,52 @@
                   <a:srgbClr val="171161"/>
                 </a:solidFill>
               </a:rPr>
-              <a:t>Features</a:t>
+              <a:t>Database</a:t>
             </a:r>
             <a:endParaRPr lang="en-US" sz="4800" dirty="0"/>
           </a:p>
         </p:txBody>
       </p:sp>
-      <p:sp>
-        <p:nvSpPr>
-          <p:cNvPr id="12" name="TextBox 11"/>
-          <p:cNvSpPr txBox="1"/>
+      <p:pic>
+        <p:nvPicPr>
+          <p:cNvPr id="3" name="Picture 2"/>
+          <p:cNvPicPr>
+            <a:picLocks noChangeAspect="1"/>
+          </p:cNvPicPr>
           <p:nvPr/>
-        </p:nvSpPr>
+        </p:nvPicPr>
+        <p:blipFill>
+          <a:blip r:embed="rId2">
+            <a:extLst>
+              <a:ext uri="{28A0092B-C50C-407E-A947-70E740481C1C}">
+                <a14:useLocalDpi xmlns:a14="http://schemas.microsoft.com/office/drawing/2010/main" val="0"/>
+              </a:ext>
+            </a:extLst>
+          </a:blip>
+          <a:stretch>
+            <a:fillRect/>
+          </a:stretch>
+        </p:blipFill>
         <p:spPr>
           <a:xfrm>
-            <a:off x="2269671" y="3217104"/>
-            <a:ext cx="2947520" cy="1815882"/>
+            <a:off x="2002929" y="1432212"/>
+            <a:ext cx="10197158" cy="4219759"/>
           </a:xfrm>
           <a:prstGeom prst="rect">
             <a:avLst/>
           </a:prstGeom>
-          <a:solidFill>
-            <a:schemeClr val="accent1">
-              <a:lumMod val="40000"/>
-              <a:lumOff val="60000"/>
-            </a:schemeClr>
-          </a:solidFill>
         </p:spPr>
-        <p:txBody>
-          <a:bodyPr wrap="square" rtlCol="0">
-            <a:spAutoFit/>
-          </a:bodyPr>
-          <a:lstStyle/>
-          <a:p>
-            <a:r>
-              <a:rPr lang="en-US" sz="2800" dirty="0" smtClean="0"/>
-              <a:t>Restaurant:</a:t>
-            </a:r>
-          </a:p>
-          <a:p>
-            <a:r>
-              <a:rPr lang="en-US" sz="2800" dirty="0" smtClean="0"/>
-              <a:t>Update Menu</a:t>
-            </a:r>
-          </a:p>
-          <a:p>
-            <a:r>
-              <a:rPr lang="en-US" sz="2800" dirty="0" smtClean="0"/>
-              <a:t>Manage Orders (accept/deliver)</a:t>
-            </a:r>
-          </a:p>
-        </p:txBody>
-      </p:sp>
-      <p:sp>
-        <p:nvSpPr>
-          <p:cNvPr id="13" name="TextBox 12"/>
+      </p:pic>
+      <p:sp>
+        <p:nvSpPr>
+          <p:cNvPr id="12" name="TextBox 11"/>
           <p:cNvSpPr txBox="1"/>
           <p:nvPr/>
         </p:nvSpPr>
         <p:spPr>
           <a:xfrm>
-            <a:off x="5217191" y="3217104"/>
-            <a:ext cx="5434693" cy="1815882"/>
-          </a:xfrm>
-          <a:prstGeom prst="rect">
-            <a:avLst/>
-          </a:prstGeom>
-          <a:solidFill>
-            <a:schemeClr val="accent2">
-              <a:lumMod val="40000"/>
-              <a:lumOff val="60000"/>
-            </a:schemeClr>
-          </a:solidFill>
-        </p:spPr>
-        <p:txBody>
-          <a:bodyPr wrap="square" rtlCol="0">
-            <a:spAutoFit/>
-          </a:bodyPr>
-          <a:lstStyle/>
-          <a:p>
-            <a:r>
-              <a:rPr lang="en-US" sz="2800" dirty="0" smtClean="0"/>
-              <a:t>Customer:</a:t>
-            </a:r>
-          </a:p>
-          <a:p>
-            <a:r>
-              <a:rPr lang="en-US" sz="2800" dirty="0" smtClean="0"/>
-              <a:t>Sign Up</a:t>
-            </a:r>
-          </a:p>
-          <a:p>
-            <a:r>
-              <a:rPr lang="en-US" sz="2800" dirty="0" smtClean="0"/>
-              <a:t>Create Orders (add/delete/place)</a:t>
-            </a:r>
-          </a:p>
-          <a:p>
-            <a:r>
-              <a:rPr lang="en-US" sz="2800" dirty="0" smtClean="0"/>
-              <a:t>Cancel &amp; Confirm Orders</a:t>
-            </a:r>
-            <a:endParaRPr lang="en-US" sz="2800" dirty="0"/>
-          </a:p>
-        </p:txBody>
-      </p:sp>
-      <p:sp>
-        <p:nvSpPr>
-          <p:cNvPr id="14" name="TextBox 13"/>
-          <p:cNvSpPr txBox="1"/>
-          <p:nvPr/>
-        </p:nvSpPr>
-        <p:spPr>
-          <a:xfrm>
-            <a:off x="2269671" y="1780191"/>
-            <a:ext cx="8382213" cy="1384995"/>
-          </a:xfrm>
-          <a:prstGeom prst="rect">
-            <a:avLst/>
-          </a:prstGeom>
-          <a:solidFill>
-            <a:schemeClr val="accent3">
-              <a:lumMod val="40000"/>
-              <a:lumOff val="60000"/>
-            </a:schemeClr>
-          </a:solidFill>
-        </p:spPr>
-        <p:txBody>
-          <a:bodyPr wrap="square" rtlCol="0">
-            <a:spAutoFit/>
-          </a:bodyPr>
-          <a:lstStyle/>
-          <a:p>
-            <a:r>
-              <a:rPr lang="en-US" sz="2800" dirty="0" smtClean="0"/>
-              <a:t>Login/Logout (as different roles)</a:t>
-            </a:r>
-          </a:p>
-          <a:p>
-            <a:r>
-              <a:rPr lang="en-US" sz="2800" dirty="0" smtClean="0"/>
-              <a:t>Search </a:t>
-            </a:r>
-            <a:r>
-              <a:rPr lang="en-US" sz="2800" dirty="0"/>
-              <a:t>R</a:t>
-            </a:r>
-            <a:r>
-              <a:rPr lang="en-US" sz="2800" dirty="0" smtClean="0"/>
-              <a:t>estaurant</a:t>
-            </a:r>
-          </a:p>
-          <a:p>
-            <a:r>
-              <a:rPr lang="en-US" sz="2800" dirty="0" smtClean="0"/>
-              <a:t>Show Menu</a:t>
-            </a:r>
-          </a:p>
-        </p:txBody>
-      </p:sp>
-    </p:spTree>
-    <p:extLst>
-      <p:ext uri="{BB962C8B-B14F-4D97-AF65-F5344CB8AC3E}">
-        <p14:creationId xmlns:p14="http://schemas.microsoft.com/office/powerpoint/2010/main" val="310936738"/>
-      </p:ext>
-    </p:extLst>
-  </p:cSld>
-  <p:clrMapOvr>
-    <a:masterClrMapping/>
-  </p:clrMapOvr>
-</p:sld>
-</file>
-
-<file path=ppt/slides/slide3.xml><?xml version="1.0" encoding="utf-8"?>
-<p:sld xmlns:a="http://schemas.openxmlformats.org/drawingml/2006/main" xmlns:r="http://schemas.openxmlformats.org/officeDocument/2006/relationships" xmlns:p="http://schemas.openxmlformats.org/presentationml/2006/main">
-  <p:cSld>
-    <p:spTree>
-      <p:nvGrpSpPr>
-        <p:cNvPr id="1" name=""/>
-        <p:cNvGrpSpPr/>
-        <p:nvPr/>
-      </p:nvGrpSpPr>
-      <p:grpSpPr>
-        <a:xfrm>
-          <a:off x="0" y="0"/>
-          <a:ext cx="0" cy="0"/>
-          <a:chOff x="0" y="0"/>
-          <a:chExt cx="0" cy="0"/>
-        </a:xfrm>
-      </p:grpSpPr>
-      <p:sp>
-        <p:nvSpPr>
-          <p:cNvPr id="4" name="Rectangle 3"/>
-          <p:cNvSpPr/>
-          <p:nvPr/>
-        </p:nvSpPr>
-        <p:spPr>
-          <a:xfrm>
-            <a:off x="0" y="513888"/>
-            <a:ext cx="12192000" cy="5165579"/>
+            <a:off x="3110569" y="2133235"/>
+            <a:ext cx="1143000" cy="369332"/>
           </a:xfrm>
           <a:prstGeom prst="rect">
             <a:avLst/>
@@ -3962,7 +4410,252 @@
           </a:solidFill>
           <a:ln>
             <a:solidFill>
-              <a:schemeClr val="bg1"/>
+              <a:schemeClr val="tx1"/>
+            </a:solidFill>
+          </a:ln>
+        </p:spPr>
+        <p:txBody>
+          <a:bodyPr wrap="square" rtlCol="0">
+            <a:spAutoFit/>
+          </a:bodyPr>
+          <a:lstStyle/>
+          <a:p>
+            <a:r>
+              <a:rPr lang="en-US" dirty="0" smtClean="0">
+                <a:ln>
+                  <a:solidFill>
+                    <a:schemeClr val="tx1"/>
+                  </a:solidFill>
+                </a:ln>
+              </a:rPr>
+              <a:t>Customer</a:t>
+            </a:r>
+            <a:endParaRPr lang="en-US" dirty="0">
+              <a:ln>
+                <a:solidFill>
+                  <a:schemeClr val="tx1"/>
+                </a:solidFill>
+              </a:ln>
+            </a:endParaRPr>
+          </a:p>
+        </p:txBody>
+      </p:sp>
+      <p:sp>
+        <p:nvSpPr>
+          <p:cNvPr id="13" name="TextBox 12"/>
+          <p:cNvSpPr txBox="1"/>
+          <p:nvPr/>
+        </p:nvSpPr>
+        <p:spPr>
+          <a:xfrm>
+            <a:off x="3102335" y="4636225"/>
+            <a:ext cx="722753" cy="369332"/>
+          </a:xfrm>
+          <a:prstGeom prst="rect">
+            <a:avLst/>
+          </a:prstGeom>
+          <a:solidFill>
+            <a:schemeClr val="bg1"/>
+          </a:solidFill>
+          <a:ln>
+            <a:solidFill>
+              <a:schemeClr val="tx1"/>
+            </a:solidFill>
+          </a:ln>
+        </p:spPr>
+        <p:txBody>
+          <a:bodyPr wrap="square" rtlCol="0">
+            <a:spAutoFit/>
+          </a:bodyPr>
+          <a:lstStyle/>
+          <a:p>
+            <a:r>
+              <a:rPr lang="en-US" smtClean="0">
+                <a:ln>
+                  <a:solidFill>
+                    <a:schemeClr val="tx1"/>
+                  </a:solidFill>
+                </a:ln>
+              </a:rPr>
+              <a:t>Dish</a:t>
+            </a:r>
+            <a:endParaRPr lang="en-US" dirty="0">
+              <a:ln>
+                <a:solidFill>
+                  <a:schemeClr val="tx1"/>
+                </a:solidFill>
+              </a:ln>
+            </a:endParaRPr>
+          </a:p>
+        </p:txBody>
+      </p:sp>
+      <p:sp>
+        <p:nvSpPr>
+          <p:cNvPr id="14" name="TextBox 13"/>
+          <p:cNvSpPr txBox="1"/>
+          <p:nvPr/>
+        </p:nvSpPr>
+        <p:spPr>
+          <a:xfrm>
+            <a:off x="6667500" y="3357425"/>
+            <a:ext cx="762000" cy="369332"/>
+          </a:xfrm>
+          <a:prstGeom prst="rect">
+            <a:avLst/>
+          </a:prstGeom>
+          <a:solidFill>
+            <a:schemeClr val="bg1"/>
+          </a:solidFill>
+          <a:ln>
+            <a:solidFill>
+              <a:schemeClr val="tx1"/>
+            </a:solidFill>
+          </a:ln>
+        </p:spPr>
+        <p:txBody>
+          <a:bodyPr wrap="square" rtlCol="0">
+            <a:spAutoFit/>
+          </a:bodyPr>
+          <a:lstStyle/>
+          <a:p>
+            <a:r>
+              <a:rPr lang="en-US" smtClean="0">
+                <a:ln>
+                  <a:solidFill>
+                    <a:schemeClr val="tx1"/>
+                  </a:solidFill>
+                </a:ln>
+              </a:rPr>
+              <a:t>Order</a:t>
+            </a:r>
+            <a:endParaRPr lang="en-US" dirty="0">
+              <a:ln>
+                <a:solidFill>
+                  <a:schemeClr val="tx1"/>
+                </a:solidFill>
+              </a:ln>
+            </a:endParaRPr>
+          </a:p>
+        </p:txBody>
+      </p:sp>
+      <p:sp>
+        <p:nvSpPr>
+          <p:cNvPr id="15" name="TextBox 14"/>
+          <p:cNvSpPr txBox="1"/>
+          <p:nvPr/>
+        </p:nvSpPr>
+        <p:spPr>
+          <a:xfrm>
+            <a:off x="9676882" y="2323799"/>
+            <a:ext cx="1215726" cy="369332"/>
+          </a:xfrm>
+          <a:prstGeom prst="rect">
+            <a:avLst/>
+          </a:prstGeom>
+          <a:solidFill>
+            <a:schemeClr val="bg1"/>
+          </a:solidFill>
+          <a:ln>
+            <a:solidFill>
+              <a:schemeClr val="tx1"/>
+            </a:solidFill>
+          </a:ln>
+        </p:spPr>
+        <p:txBody>
+          <a:bodyPr wrap="square" rtlCol="0">
+            <a:spAutoFit/>
+          </a:bodyPr>
+          <a:lstStyle/>
+          <a:p>
+            <a:r>
+              <a:rPr lang="en-US" smtClean="0">
+                <a:ln>
+                  <a:solidFill>
+                    <a:schemeClr val="tx1"/>
+                  </a:solidFill>
+                </a:ln>
+              </a:rPr>
+              <a:t>Restaurant</a:t>
+            </a:r>
+            <a:endParaRPr lang="en-US" dirty="0">
+              <a:ln>
+                <a:solidFill>
+                  <a:schemeClr val="tx1"/>
+                </a:solidFill>
+              </a:ln>
+            </a:endParaRPr>
+          </a:p>
+        </p:txBody>
+      </p:sp>
+      <p:sp>
+        <p:nvSpPr>
+          <p:cNvPr id="16" name="TextBox 15"/>
+          <p:cNvSpPr txBox="1"/>
+          <p:nvPr/>
+        </p:nvSpPr>
+        <p:spPr>
+          <a:xfrm>
+            <a:off x="9740899" y="4266159"/>
+            <a:ext cx="685801" cy="369332"/>
+          </a:xfrm>
+          <a:prstGeom prst="rect">
+            <a:avLst/>
+          </a:prstGeom>
+          <a:solidFill>
+            <a:schemeClr val="bg1"/>
+          </a:solidFill>
+          <a:ln>
+            <a:solidFill>
+              <a:schemeClr val="tx1"/>
+            </a:solidFill>
+          </a:ln>
+        </p:spPr>
+        <p:txBody>
+          <a:bodyPr wrap="square" rtlCol="0">
+            <a:spAutoFit/>
+          </a:bodyPr>
+          <a:lstStyle/>
+          <a:p>
+            <a:r>
+              <a:rPr lang="en-US" smtClean="0">
+                <a:ln>
+                  <a:solidFill>
+                    <a:schemeClr val="tx1"/>
+                  </a:solidFill>
+                </a:ln>
+              </a:rPr>
+              <a:t>Cart</a:t>
+            </a:r>
+            <a:endParaRPr lang="en-US" dirty="0">
+              <a:ln>
+                <a:solidFill>
+                  <a:schemeClr val="tx1"/>
+                </a:solidFill>
+              </a:ln>
+            </a:endParaRPr>
+          </a:p>
+        </p:txBody>
+      </p:sp>
+      <p:sp>
+        <p:nvSpPr>
+          <p:cNvPr id="17" name="Diamond 16"/>
+          <p:cNvSpPr/>
+          <p:nvPr/>
+        </p:nvSpPr>
+        <p:spPr>
+          <a:xfrm rot="400816">
+            <a:off x="4781917" y="2746338"/>
+            <a:ext cx="950994" cy="620942"/>
+          </a:xfrm>
+          <a:prstGeom prst="diamond">
+            <a:avLst/>
+          </a:prstGeom>
+          <a:solidFill>
+            <a:schemeClr val="bg1"/>
+          </a:solidFill>
+          <a:ln>
+            <a:solidFill>
+              <a:schemeClr val="tx1"/>
             </a:solidFill>
           </a:ln>
         </p:spPr>
@@ -3987,245 +4680,32 @@
           <a:lstStyle/>
           <a:p>
             <a:pPr algn="ctr"/>
-            <a:endParaRPr lang="en-US"/>
-          </a:p>
-        </p:txBody>
-      </p:sp>
-      <p:grpSp>
-        <p:nvGrpSpPr>
-          <p:cNvPr id="5" name="Group 4"/>
-          <p:cNvGrpSpPr/>
-          <p:nvPr/>
-        </p:nvGrpSpPr>
-        <p:grpSpPr>
-          <a:xfrm>
-            <a:off x="103975" y="2616389"/>
-            <a:ext cx="2843545" cy="3265431"/>
-            <a:chOff x="1940726" y="628384"/>
-            <a:chExt cx="2364112" cy="2714866"/>
-          </a:xfrm>
-        </p:grpSpPr>
-        <p:sp>
-          <p:nvSpPr>
-            <p:cNvPr id="6" name="Oval 5"/>
-            <p:cNvSpPr/>
-            <p:nvPr/>
-          </p:nvSpPr>
-          <p:spPr>
-            <a:xfrm>
-              <a:off x="2054572" y="1694565"/>
-              <a:ext cx="1143000" cy="1143000"/>
-            </a:xfrm>
-            <a:prstGeom prst="ellipse">
-              <a:avLst/>
-            </a:prstGeom>
-            <a:solidFill>
-              <a:srgbClr val="77C9F9"/>
-            </a:solidFill>
-            <a:ln>
-              <a:noFill/>
-            </a:ln>
-          </p:spPr>
-          <p:style>
-            <a:lnRef idx="2">
-              <a:schemeClr val="accent1">
-                <a:shade val="50000"/>
-              </a:schemeClr>
-            </a:lnRef>
-            <a:fillRef idx="1">
-              <a:schemeClr val="accent1"/>
-            </a:fillRef>
-            <a:effectRef idx="0">
-              <a:schemeClr val="accent1"/>
-            </a:effectRef>
-            <a:fontRef idx="minor">
-              <a:schemeClr val="lt1"/>
-            </a:fontRef>
-          </p:style>
-          <p:txBody>
-            <a:bodyPr rtlCol="0" anchor="ctr"/>
-            <a:lstStyle/>
-            <a:p>
-              <a:pPr algn="ctr"/>
-              <a:endParaRPr lang="en-US"/>
-            </a:p>
-          </p:txBody>
-        </p:sp>
-        <p:sp>
-          <p:nvSpPr>
-            <p:cNvPr id="7" name="Triangle 6"/>
-            <p:cNvSpPr/>
-            <p:nvPr/>
-          </p:nvSpPr>
-          <p:spPr>
-            <a:xfrm rot="18340951">
-              <a:off x="1924605" y="922298"/>
-              <a:ext cx="1551214" cy="963386"/>
-            </a:xfrm>
-            <a:prstGeom prst="triangle">
-              <a:avLst/>
-            </a:prstGeom>
-            <a:solidFill>
-              <a:schemeClr val="bg1"/>
-            </a:solidFill>
-            <a:ln>
-              <a:noFill/>
-            </a:ln>
-          </p:spPr>
-          <p:style>
-            <a:lnRef idx="2">
-              <a:schemeClr val="accent1">
-                <a:shade val="50000"/>
-              </a:schemeClr>
-            </a:lnRef>
-            <a:fillRef idx="1">
-              <a:schemeClr val="accent1"/>
-            </a:fillRef>
-            <a:effectRef idx="0">
-              <a:schemeClr val="accent1"/>
-            </a:effectRef>
-            <a:fontRef idx="minor">
-              <a:schemeClr val="lt1"/>
-            </a:fontRef>
-          </p:style>
-          <p:txBody>
-            <a:bodyPr rtlCol="0" anchor="ctr"/>
-            <a:lstStyle/>
-            <a:p>
-              <a:pPr algn="ctr"/>
-              <a:endParaRPr lang="en-US"/>
-            </a:p>
-          </p:txBody>
-        </p:sp>
-        <p:sp>
-          <p:nvSpPr>
-            <p:cNvPr id="8" name="TextBox 7"/>
-            <p:cNvSpPr txBox="1"/>
-            <p:nvPr/>
-          </p:nvSpPr>
-          <p:spPr>
-            <a:xfrm rot="1671163">
-              <a:off x="2856901" y="1989130"/>
-              <a:ext cx="851515" cy="1200329"/>
-            </a:xfrm>
-            <a:prstGeom prst="rect">
-              <a:avLst/>
-            </a:prstGeom>
-            <a:noFill/>
-          </p:spPr>
-          <p:txBody>
-            <a:bodyPr wrap="square" rtlCol="0">
-              <a:spAutoFit/>
-            </a:bodyPr>
-            <a:lstStyle/>
-            <a:p>
-              <a:r>
-                <a:rPr lang="en-US" sz="7200" dirty="0" smtClean="0">
-                  <a:solidFill>
-                    <a:srgbClr val="171161"/>
-                  </a:solidFill>
-                  <a:latin typeface="Bradley Hand" charset="0"/>
-                  <a:ea typeface="Bradley Hand" charset="0"/>
-                  <a:cs typeface="Bradley Hand" charset="0"/>
-                </a:rPr>
-                <a:t>B</a:t>
-              </a:r>
-              <a:endParaRPr lang="en-US" sz="7200" dirty="0">
-                <a:solidFill>
-                  <a:srgbClr val="171161"/>
-                </a:solidFill>
-                <a:latin typeface="Bradley Hand" charset="0"/>
-                <a:ea typeface="Bradley Hand" charset="0"/>
-                <a:cs typeface="Bradley Hand" charset="0"/>
-              </a:endParaRPr>
-            </a:p>
-          </p:txBody>
-        </p:sp>
-        <p:sp>
-          <p:nvSpPr>
-            <p:cNvPr id="9" name="TextBox 8"/>
-            <p:cNvSpPr txBox="1"/>
-            <p:nvPr/>
-          </p:nvSpPr>
-          <p:spPr>
-            <a:xfrm>
-              <a:off x="1940726" y="2635364"/>
-              <a:ext cx="2364112" cy="707886"/>
-            </a:xfrm>
-            <a:prstGeom prst="rect">
-              <a:avLst/>
-            </a:prstGeom>
-            <a:noFill/>
-          </p:spPr>
-          <p:txBody>
-            <a:bodyPr wrap="square" rtlCol="0">
-              <a:spAutoFit/>
-            </a:bodyPr>
-            <a:lstStyle/>
-            <a:p>
-              <a:r>
-                <a:rPr lang="en-US" sz="4000" dirty="0" smtClean="0">
-                  <a:solidFill>
-                    <a:srgbClr val="171161"/>
-                  </a:solidFill>
-                  <a:latin typeface="Bradley Hand" charset="0"/>
-                  <a:ea typeface="Bradley Hand" charset="0"/>
-                  <a:cs typeface="Bradley Hand" charset="0"/>
-                </a:rPr>
-                <a:t>iteman</a:t>
-              </a:r>
-              <a:endParaRPr lang="en-US" sz="4000" dirty="0">
-                <a:solidFill>
-                  <a:srgbClr val="171161"/>
-                </a:solidFill>
-                <a:latin typeface="Bradley Hand" charset="0"/>
-                <a:ea typeface="Bradley Hand" charset="0"/>
-                <a:cs typeface="Bradley Hand" charset="0"/>
-              </a:endParaRPr>
-            </a:p>
-          </p:txBody>
-        </p:sp>
-        <p:sp>
-          <p:nvSpPr>
-            <p:cNvPr id="10" name="TextBox 9"/>
-            <p:cNvSpPr txBox="1"/>
-            <p:nvPr/>
-          </p:nvSpPr>
-          <p:spPr>
-            <a:xfrm rot="5400000">
-              <a:off x="2381772" y="1591758"/>
-              <a:ext cx="424543" cy="1200329"/>
-            </a:xfrm>
-            <a:prstGeom prst="rect">
-              <a:avLst/>
-            </a:prstGeom>
-            <a:noFill/>
-          </p:spPr>
-          <p:txBody>
-            <a:bodyPr wrap="square" rtlCol="0">
-              <a:spAutoFit/>
-            </a:bodyPr>
-            <a:lstStyle/>
-            <a:p>
-              <a:r>
-                <a:rPr lang="en-US" sz="7200" dirty="0" smtClean="0"/>
-                <a:t>.</a:t>
-              </a:r>
-              <a:endParaRPr lang="en-US" sz="7200" dirty="0"/>
-            </a:p>
-          </p:txBody>
-        </p:sp>
-      </p:grpSp>
-      <p:sp>
-        <p:nvSpPr>
-          <p:cNvPr id="11" name="TextBox 10"/>
+            <a:endParaRPr lang="en-US">
+              <a:ln w="0"/>
+              <a:solidFill>
+                <a:schemeClr val="tx1"/>
+              </a:solidFill>
+              <a:effectLst>
+                <a:outerShdw blurRad="38100" dist="19050" dir="2700000" algn="tl" rotWithShape="0">
+                  <a:schemeClr val="dk1">
+                    <a:alpha val="40000"/>
+                  </a:schemeClr>
+                </a:outerShdw>
+              </a:effectLst>
+            </a:endParaRPr>
+          </a:p>
+        </p:txBody>
+      </p:sp>
+      <p:sp>
+        <p:nvSpPr>
+          <p:cNvPr id="19" name="TextBox 18"/>
           <p:cNvSpPr txBox="1"/>
           <p:nvPr/>
         </p:nvSpPr>
         <p:spPr>
-          <a:xfrm>
-            <a:off x="240909" y="476247"/>
-            <a:ext cx="3441160" cy="1107996"/>
+          <a:xfrm rot="658317" flipH="1">
+            <a:off x="4909755" y="2846188"/>
+            <a:ext cx="828470" cy="369332"/>
           </a:xfrm>
           <a:prstGeom prst="rect">
             <a:avLst/>
@@ -4239,47 +4719,193 @@
           <a:lstStyle/>
           <a:p>
             <a:r>
-              <a:rPr lang="en-US" sz="6600" dirty="0" smtClean="0">
-                <a:solidFill>
-                  <a:srgbClr val="171161"/>
-                </a:solidFill>
-              </a:rPr>
-              <a:t>Database</a:t>
-            </a:r>
-            <a:endParaRPr lang="en-US" sz="4800" dirty="0"/>
-          </a:p>
-        </p:txBody>
-      </p:sp>
-      <p:pic>
-        <p:nvPicPr>
-          <p:cNvPr id="2" name="Picture 1"/>
-          <p:cNvPicPr>
-            <a:picLocks noChangeAspect="1"/>
-          </p:cNvPicPr>
+              <a:rPr lang="en-US" b="1" dirty="0" smtClean="0"/>
+              <a:t>places</a:t>
+            </a:r>
+            <a:endParaRPr lang="en-US" b="1" dirty="0"/>
+          </a:p>
+        </p:txBody>
+      </p:sp>
+      <p:sp>
+        <p:nvSpPr>
+          <p:cNvPr id="20" name="Diamond 19"/>
+          <p:cNvSpPr/>
           <p:nvPr/>
-        </p:nvPicPr>
-        <p:blipFill>
-          <a:blip r:embed="rId2">
-            <a:extLst>
-              <a:ext uri="{28A0092B-C50C-407E-A947-70E740481C1C}">
-                <a14:useLocalDpi xmlns:a14="http://schemas.microsoft.com/office/drawing/2010/main" val="0"/>
-              </a:ext>
-            </a:extLst>
-          </a:blip>
-          <a:stretch>
-            <a:fillRect/>
-          </a:stretch>
-        </p:blipFill>
+        </p:nvSpPr>
         <p:spPr>
-          <a:xfrm>
-            <a:off x="1952502" y="1375593"/>
-            <a:ext cx="10058400" cy="4318552"/>
+          <a:xfrm rot="21297175">
+            <a:off x="4905815" y="4096970"/>
+            <a:ext cx="950994" cy="620942"/>
+          </a:xfrm>
+          <a:prstGeom prst="diamond">
+            <a:avLst/>
+          </a:prstGeom>
+          <a:solidFill>
+            <a:schemeClr val="bg1"/>
+          </a:solidFill>
+          <a:ln>
+            <a:solidFill>
+              <a:schemeClr val="tx1"/>
+            </a:solidFill>
+          </a:ln>
+        </p:spPr>
+        <p:style>
+          <a:lnRef idx="2">
+            <a:schemeClr val="accent1">
+              <a:shade val="50000"/>
+            </a:schemeClr>
+          </a:lnRef>
+          <a:fillRef idx="1">
+            <a:schemeClr val="accent1"/>
+          </a:fillRef>
+          <a:effectRef idx="0">
+            <a:schemeClr val="accent1"/>
+          </a:effectRef>
+          <a:fontRef idx="minor">
+            <a:schemeClr val="lt1"/>
+          </a:fontRef>
+        </p:style>
+        <p:txBody>
+          <a:bodyPr rtlCol="0" anchor="ctr"/>
+          <a:lstStyle/>
+          <a:p>
+            <a:pPr algn="ctr"/>
+            <a:endParaRPr lang="en-US">
+              <a:ln w="0"/>
+              <a:solidFill>
+                <a:schemeClr val="tx1"/>
+              </a:solidFill>
+              <a:effectLst>
+                <a:outerShdw blurRad="38100" dist="19050" dir="2700000" algn="tl" rotWithShape="0">
+                  <a:schemeClr val="dk1">
+                    <a:alpha val="40000"/>
+                  </a:schemeClr>
+                </a:outerShdw>
+              </a:effectLst>
+            </a:endParaRPr>
+          </a:p>
+        </p:txBody>
+      </p:sp>
+      <p:sp>
+        <p:nvSpPr>
+          <p:cNvPr id="21" name="TextBox 20"/>
+          <p:cNvSpPr txBox="1"/>
+          <p:nvPr/>
+        </p:nvSpPr>
+        <p:spPr>
+          <a:xfrm rot="21190824" flipH="1">
+            <a:off x="4907328" y="4193834"/>
+            <a:ext cx="1030675" cy="369332"/>
           </a:xfrm>
           <a:prstGeom prst="rect">
             <a:avLst/>
           </a:prstGeom>
+          <a:noFill/>
         </p:spPr>
-      </p:pic>
+        <p:txBody>
+          <a:bodyPr wrap="square" rtlCol="0">
+            <a:spAutoFit/>
+          </a:bodyPr>
+          <a:lstStyle/>
+          <a:p>
+            <a:r>
+              <a:rPr lang="en-US" b="1" smtClean="0"/>
+              <a:t>contains</a:t>
+            </a:r>
+            <a:endParaRPr lang="en-US" b="1" dirty="0"/>
+          </a:p>
+        </p:txBody>
+      </p:sp>
+      <p:sp>
+        <p:nvSpPr>
+          <p:cNvPr id="22" name="Diamond 21"/>
+          <p:cNvSpPr/>
+          <p:nvPr/>
+        </p:nvSpPr>
+        <p:spPr>
+          <a:xfrm rot="21044126">
+            <a:off x="8037395" y="2715183"/>
+            <a:ext cx="1041910" cy="721479"/>
+          </a:xfrm>
+          <a:prstGeom prst="diamond">
+            <a:avLst/>
+          </a:prstGeom>
+          <a:solidFill>
+            <a:schemeClr val="bg1"/>
+          </a:solidFill>
+          <a:ln>
+            <a:solidFill>
+              <a:schemeClr val="tx1"/>
+            </a:solidFill>
+          </a:ln>
+        </p:spPr>
+        <p:style>
+          <a:lnRef idx="2">
+            <a:schemeClr val="accent1">
+              <a:shade val="50000"/>
+            </a:schemeClr>
+          </a:lnRef>
+          <a:fillRef idx="1">
+            <a:schemeClr val="accent1"/>
+          </a:fillRef>
+          <a:effectRef idx="0">
+            <a:schemeClr val="accent1"/>
+          </a:effectRef>
+          <a:fontRef idx="minor">
+            <a:schemeClr val="lt1"/>
+          </a:fontRef>
+        </p:style>
+        <p:txBody>
+          <a:bodyPr rtlCol="0" anchor="ctr"/>
+          <a:lstStyle/>
+          <a:p>
+            <a:pPr algn="ctr"/>
+            <a:endParaRPr lang="en-US">
+              <a:ln w="0"/>
+              <a:solidFill>
+                <a:schemeClr val="tx1"/>
+              </a:solidFill>
+              <a:effectLst>
+                <a:outerShdw blurRad="38100" dist="19050" dir="2700000" algn="tl" rotWithShape="0">
+                  <a:schemeClr val="dk1">
+                    <a:alpha val="40000"/>
+                  </a:schemeClr>
+                </a:outerShdw>
+              </a:effectLst>
+            </a:endParaRPr>
+          </a:p>
+        </p:txBody>
+      </p:sp>
+      <p:sp>
+        <p:nvSpPr>
+          <p:cNvPr id="23" name="TextBox 22"/>
+          <p:cNvSpPr txBox="1"/>
+          <p:nvPr/>
+        </p:nvSpPr>
+        <p:spPr>
+          <a:xfrm rot="20955184" flipH="1">
+            <a:off x="8252797" y="2702571"/>
+            <a:ext cx="828470" cy="646331"/>
+          </a:xfrm>
+          <a:prstGeom prst="rect">
+            <a:avLst/>
+          </a:prstGeom>
+          <a:noFill/>
+        </p:spPr>
+        <p:txBody>
+          <a:bodyPr wrap="square" rtlCol="0">
+            <a:spAutoFit/>
+          </a:bodyPr>
+          <a:lstStyle/>
+          <a:p>
+            <a:r>
+              <a:rPr lang="en-US" b="1" dirty="0" smtClean="0"/>
+              <a:t>Take place</a:t>
+            </a:r>
+            <a:endParaRPr lang="en-US" b="1" dirty="0"/>
+          </a:p>
+        </p:txBody>
+      </p:sp>
     </p:spTree>
     <p:extLst>
       <p:ext uri="{BB962C8B-B14F-4D97-AF65-F5344CB8AC3E}">
